--- a/Slides.pptx
+++ b/Slides.pptx
@@ -9,6 +9,7 @@
     <p:sldId id="257" r:id="rId3"/>
     <p:sldId id="258" r:id="rId4"/>
     <p:sldId id="259" r:id="rId5"/>
+    <p:sldId id="260" r:id="rId6"/>
   </p:sldIdLst>
   <p:sldSz cx="12192000" cy="6858000"/>
   <p:notesSz cx="6858000" cy="9144000"/>
@@ -107,6 +108,11 @@
       </a:defRPr>
     </a:lvl9pPr>
   </p:defaultTextStyle>
+  <p:extLst>
+    <p:ext uri="{EFAFB233-063F-42B5-8137-9DF3F51BA10A}">
+      <p15:sldGuideLst xmlns:p15="http://schemas.microsoft.com/office/powerpoint/2012/main"/>
+    </p:ext>
+  </p:extLst>
 </p:presentation>
 </file>
 
@@ -833,7 +839,7 @@
             <a:fld id="{B61BEF0D-F0BB-DE4B-95CE-6DB70DBA9567}" type="datetimeFigureOut">
               <a:rPr lang="en-US" dirty="0"/>
               <a:pPr/>
-              <a:t>12/13/2018</a:t>
+              <a:t>12/18/2018</a:t>
             </a:fld>
             <a:endParaRPr lang="en-US" dirty="0"/>
           </a:p>
@@ -1081,7 +1087,7 @@
             <a:fld id="{B61BEF0D-F0BB-DE4B-95CE-6DB70DBA9567}" type="datetimeFigureOut">
               <a:rPr lang="en-US" dirty="0"/>
               <a:pPr/>
-              <a:t>12/13/2018</a:t>
+              <a:t>12/18/2018</a:t>
             </a:fld>
             <a:endParaRPr lang="en-US" dirty="0"/>
           </a:p>
@@ -1392,7 +1398,7 @@
             <a:fld id="{B61BEF0D-F0BB-DE4B-95CE-6DB70DBA9567}" type="datetimeFigureOut">
               <a:rPr lang="en-US" dirty="0"/>
               <a:pPr/>
-              <a:t>12/13/2018</a:t>
+              <a:t>12/18/2018</a:t>
             </a:fld>
             <a:endParaRPr lang="en-US" dirty="0"/>
           </a:p>
@@ -1730,7 +1736,7 @@
             <a:fld id="{B61BEF0D-F0BB-DE4B-95CE-6DB70DBA9567}" type="datetimeFigureOut">
               <a:rPr lang="en-US" dirty="0"/>
               <a:pPr/>
-              <a:t>12/13/2018</a:t>
+              <a:t>12/18/2018</a:t>
             </a:fld>
             <a:endParaRPr lang="en-US" dirty="0"/>
           </a:p>
@@ -2041,7 +2047,7 @@
             <a:fld id="{B61BEF0D-F0BB-DE4B-95CE-6DB70DBA9567}" type="datetimeFigureOut">
               <a:rPr lang="en-US" dirty="0"/>
               <a:pPr/>
-              <a:t>12/13/2018</a:t>
+              <a:t>12/18/2018</a:t>
             </a:fld>
             <a:endParaRPr lang="en-US" dirty="0"/>
           </a:p>
@@ -2431,7 +2437,7 @@
             <a:fld id="{B61BEF0D-F0BB-DE4B-95CE-6DB70DBA9567}" type="datetimeFigureOut">
               <a:rPr lang="en-US" dirty="0"/>
               <a:pPr/>
-              <a:t>12/13/2018</a:t>
+              <a:t>12/18/2018</a:t>
             </a:fld>
             <a:endParaRPr lang="en-US" dirty="0"/>
           </a:p>
@@ -2597,7 +2603,7 @@
           <a:p>
             <a:fld id="{55C6B4A9-1611-4792-9094-5F34BCA07E0B}" type="datetimeFigureOut">
               <a:rPr lang="en-US" dirty="0"/>
-              <a:t>12/13/2018</a:t>
+              <a:t>12/18/2018</a:t>
             </a:fld>
             <a:endParaRPr lang="en-US" dirty="0"/>
           </a:p>
@@ -2773,7 +2779,7 @@
             <a:fld id="{B61BEF0D-F0BB-DE4B-95CE-6DB70DBA9567}" type="datetimeFigureOut">
               <a:rPr lang="en-US" dirty="0"/>
               <a:pPr/>
-              <a:t>12/13/2018</a:t>
+              <a:t>12/18/2018</a:t>
             </a:fld>
             <a:endParaRPr lang="en-US" dirty="0"/>
           </a:p>
@@ -2946,7 +2952,7 @@
             <a:fld id="{B61BEF0D-F0BB-DE4B-95CE-6DB70DBA9567}" type="datetimeFigureOut">
               <a:rPr lang="en-US" dirty="0"/>
               <a:pPr/>
-              <a:t>12/13/2018</a:t>
+              <a:t>12/18/2018</a:t>
             </a:fld>
             <a:endParaRPr lang="en-US" dirty="0"/>
           </a:p>
@@ -3190,7 +3196,7 @@
             <a:fld id="{B61BEF0D-F0BB-DE4B-95CE-6DB70DBA9567}" type="datetimeFigureOut">
               <a:rPr lang="en-US" dirty="0"/>
               <a:pPr/>
-              <a:t>12/13/2018</a:t>
+              <a:t>12/18/2018</a:t>
             </a:fld>
             <a:endParaRPr lang="en-US" dirty="0"/>
           </a:p>
@@ -3418,7 +3424,7 @@
           <a:p>
             <a:fld id="{EB712588-04B1-427B-82EE-E8DB90309F08}" type="datetimeFigureOut">
               <a:rPr lang="en-US" dirty="0"/>
-              <a:t>12/13/2018</a:t>
+              <a:t>12/18/2018</a:t>
             </a:fld>
             <a:endParaRPr lang="en-US" dirty="0"/>
           </a:p>
@@ -3788,7 +3794,7 @@
             <a:fld id="{B61BEF0D-F0BB-DE4B-95CE-6DB70DBA9567}" type="datetimeFigureOut">
               <a:rPr lang="en-US" dirty="0"/>
               <a:pPr/>
-              <a:t>12/13/2018</a:t>
+              <a:t>12/18/2018</a:t>
             </a:fld>
             <a:endParaRPr lang="en-US" dirty="0"/>
           </a:p>
@@ -3908,7 +3914,7 @@
             <a:fld id="{B61BEF0D-F0BB-DE4B-95CE-6DB70DBA9567}" type="datetimeFigureOut">
               <a:rPr lang="en-US" dirty="0"/>
               <a:pPr/>
-              <a:t>12/13/2018</a:t>
+              <a:t>12/18/2018</a:t>
             </a:fld>
             <a:endParaRPr lang="en-US" dirty="0"/>
           </a:p>
@@ -4000,7 +4006,7 @@
             <a:fld id="{B61BEF0D-F0BB-DE4B-95CE-6DB70DBA9567}" type="datetimeFigureOut">
               <a:rPr lang="en-US" dirty="0"/>
               <a:pPr/>
-              <a:t>12/13/2018</a:t>
+              <a:t>12/18/2018</a:t>
             </a:fld>
             <a:endParaRPr lang="en-US" dirty="0"/>
           </a:p>
@@ -4251,7 +4257,7 @@
           <a:p>
             <a:fld id="{42A54C80-263E-416B-A8E0-580EDEADCBDC}" type="datetimeFigureOut">
               <a:rPr lang="en-US" dirty="0"/>
-              <a:t>12/13/2018</a:t>
+              <a:t>12/18/2018</a:t>
             </a:fld>
             <a:endParaRPr lang="en-US" dirty="0"/>
           </a:p>
@@ -4510,7 +4516,7 @@
             <a:fld id="{B61BEF0D-F0BB-DE4B-95CE-6DB70DBA9567}" type="datetimeFigureOut">
               <a:rPr lang="en-US" dirty="0"/>
               <a:pPr/>
-              <a:t>12/13/2018</a:t>
+              <a:t>12/18/2018</a:t>
             </a:fld>
             <a:endParaRPr lang="en-US" dirty="0"/>
           </a:p>
@@ -5250,7 +5256,7 @@
             <a:fld id="{B61BEF0D-F0BB-DE4B-95CE-6DB70DBA9567}" type="datetimeFigureOut">
               <a:rPr lang="en-US" dirty="0"/>
               <a:pPr/>
-              <a:t>12/13/2018</a:t>
+              <a:t>12/18/2018</a:t>
             </a:fld>
             <a:endParaRPr lang="en-US" dirty="0"/>
           </a:p>
@@ -6647,6 +6653,148 @@
 </p:sld>
 </file>
 
+<file path=ppt/slides/slide5.xml><?xml version="1.0" encoding="utf-8"?>
+<p:sld xmlns:a="http://schemas.openxmlformats.org/drawingml/2006/main" xmlns:r="http://schemas.openxmlformats.org/officeDocument/2006/relationships" xmlns:p="http://schemas.openxmlformats.org/presentationml/2006/main">
+  <p:cSld>
+    <p:spTree>
+      <p:nvGrpSpPr>
+        <p:cNvPr id="1" name=""/>
+        <p:cNvGrpSpPr/>
+        <p:nvPr/>
+      </p:nvGrpSpPr>
+      <p:grpSpPr>
+        <a:xfrm>
+          <a:off x="0" y="0"/>
+          <a:ext cx="0" cy="0"/>
+          <a:chOff x="0" y="0"/>
+          <a:chExt cx="0" cy="0"/>
+        </a:xfrm>
+      </p:grpSpPr>
+      <p:sp>
+        <p:nvSpPr>
+          <p:cNvPr id="2" name="Title 1">
+            <a:extLst>
+              <a:ext uri="{FF2B5EF4-FFF2-40B4-BE49-F238E27FC236}">
+                <a16:creationId xmlns:a16="http://schemas.microsoft.com/office/drawing/2014/main" id="{0B40A398-C12E-457F-9C5A-1E43907A1D88}"/>
+              </a:ext>
+            </a:extLst>
+          </p:cNvPr>
+          <p:cNvSpPr>
+            <a:spLocks noGrp="1"/>
+          </p:cNvSpPr>
+          <p:nvPr>
+            <p:ph type="title"/>
+          </p:nvPr>
+        </p:nvSpPr>
+        <p:spPr/>
+        <p:txBody>
+          <a:bodyPr/>
+          <a:lstStyle/>
+          <a:p>
+            <a:r>
+              <a:rPr lang="en-US" dirty="0"/>
+              <a:t>Time-dependent Wah filter</a:t>
+            </a:r>
+          </a:p>
+        </p:txBody>
+      </p:sp>
+      <p:sp>
+        <p:nvSpPr>
+          <p:cNvPr id="3" name="Content Placeholder 2">
+            <a:extLst>
+              <a:ext uri="{FF2B5EF4-FFF2-40B4-BE49-F238E27FC236}">
+                <a16:creationId xmlns:a16="http://schemas.microsoft.com/office/drawing/2014/main" id="{A0CC3B90-4ECF-446A-BE84-AA9BB6503E9D}"/>
+              </a:ext>
+            </a:extLst>
+          </p:cNvPr>
+          <p:cNvSpPr>
+            <a:spLocks noGrp="1"/>
+          </p:cNvSpPr>
+          <p:nvPr>
+            <p:ph idx="1"/>
+          </p:nvPr>
+        </p:nvSpPr>
+        <p:spPr/>
+        <p:txBody>
+          <a:bodyPr/>
+          <a:lstStyle/>
+          <a:p>
+            <a:r>
+              <a:rPr lang="en-US" dirty="0"/>
+              <a:t>IIR lowpass Butterworth filter</a:t>
+            </a:r>
+          </a:p>
+          <a:p>
+            <a:r>
+              <a:rPr lang="en-US" dirty="0"/>
+              <a:t>X is the dry guitar signal</a:t>
+            </a:r>
+          </a:p>
+          <a:p>
+            <a:r>
+              <a:rPr lang="en-US" dirty="0"/>
+              <a:t>Y is the past </a:t>
+            </a:r>
+            <a:r>
+              <a:rPr lang="en-US" dirty="0" err="1"/>
+              <a:t>wah’ed</a:t>
+            </a:r>
+            <a:r>
+              <a:rPr lang="en-US" dirty="0"/>
+              <a:t> guitar signal</a:t>
+            </a:r>
+          </a:p>
+        </p:txBody>
+      </p:sp>
+      <p:pic>
+        <p:nvPicPr>
+          <p:cNvPr id="11" name="Graphic 10">
+            <a:extLst>
+              <a:ext uri="{FF2B5EF4-FFF2-40B4-BE49-F238E27FC236}">
+                <a16:creationId xmlns:a16="http://schemas.microsoft.com/office/drawing/2014/main" id="{D11135AF-548E-4343-8C6A-1E051086A84F}"/>
+              </a:ext>
+            </a:extLst>
+          </p:cNvPr>
+          <p:cNvPicPr>
+            <a:picLocks noChangeAspect="1"/>
+          </p:cNvPicPr>
+          <p:nvPr/>
+        </p:nvPicPr>
+        <p:blipFill>
+          <a:blip r:embed="rId2">
+            <a:extLst>
+              <a:ext uri="{96DAC541-7B7A-43D3-8B79-37D633B846F1}">
+                <asvg:svgBlip xmlns:asvg="http://schemas.microsoft.com/office/drawing/2016/SVG/main" r:embed="rId3"/>
+              </a:ext>
+            </a:extLst>
+          </a:blip>
+          <a:stretch>
+            <a:fillRect/>
+          </a:stretch>
+        </p:blipFill>
+        <p:spPr>
+          <a:xfrm>
+            <a:off x="2757453" y="4548187"/>
+            <a:ext cx="4436430" cy="747713"/>
+          </a:xfrm>
+          <a:prstGeom prst="rect">
+            <a:avLst/>
+          </a:prstGeom>
+        </p:spPr>
+      </p:pic>
+    </p:spTree>
+    <p:extLst>
+      <p:ext uri="{BB962C8B-B14F-4D97-AF65-F5344CB8AC3E}">
+        <p14:creationId xmlns:p14="http://schemas.microsoft.com/office/powerpoint/2010/main" val="1172453355"/>
+      </p:ext>
+    </p:extLst>
+  </p:cSld>
+  <p:clrMapOvr>
+    <a:masterClrMapping/>
+  </p:clrMapOvr>
+</p:sld>
+</file>
+
 <file path=ppt/theme/theme1.xml><?xml version="1.0" encoding="utf-8"?>
 <a:theme xmlns:a="http://schemas.openxmlformats.org/drawingml/2006/main" name="Facet">
   <a:themeElements>
